--- a/Documentation/crc Ludo5.pptx
+++ b/Documentation/crc Ludo5.pptx
@@ -5,18 +5,19 @@
     <p:sldMasterId id="2147483648" r:id="rId4"/>
   </p:sldMasterIdLst>
   <p:notesMasterIdLst>
-    <p:notesMasterId r:id="rId14"/>
+    <p:notesMasterId r:id="rId15"/>
   </p:notesMasterIdLst>
   <p:sldIdLst>
     <p:sldId id="256" r:id="rId5"/>
-    <p:sldId id="267" r:id="rId6"/>
-    <p:sldId id="266" r:id="rId7"/>
-    <p:sldId id="268" r:id="rId8"/>
-    <p:sldId id="269" r:id="rId9"/>
-    <p:sldId id="270" r:id="rId10"/>
-    <p:sldId id="272" r:id="rId11"/>
-    <p:sldId id="271" r:id="rId12"/>
-    <p:sldId id="273" r:id="rId13"/>
+    <p:sldId id="274" r:id="rId6"/>
+    <p:sldId id="267" r:id="rId7"/>
+    <p:sldId id="276" r:id="rId8"/>
+    <p:sldId id="266" r:id="rId9"/>
+    <p:sldId id="268" r:id="rId10"/>
+    <p:sldId id="270" r:id="rId11"/>
+    <p:sldId id="272" r:id="rId12"/>
+    <p:sldId id="271" r:id="rId13"/>
+    <p:sldId id="273" r:id="rId14"/>
   </p:sldIdLst>
   <p:sldSz cx="12192000" cy="6858000"/>
   <p:notesSz cx="6858000" cy="9144000"/>
@@ -481,7 +482,7 @@
           <a:p>
             <a:fld id="{E06E82C6-DA39-422C-BA64-5C5DE0D25E55}" type="datetimeFigureOut">
               <a:rPr lang="da-DK" smtClean="0"/>
-              <a:t>01-04-2021</a:t>
+              <a:t>13-04-2021</a:t>
             </a:fld>
             <a:endParaRPr lang="da-DK"/>
           </a:p>
@@ -895,7 +896,7 @@
           <a:p>
             <a:fld id="{81F1D9E5-32FA-4B07-9954-19D0D1E25CEA}" type="datetimeFigureOut">
               <a:rPr lang="da-DK" smtClean="0"/>
-              <a:t>01-04-2021</a:t>
+              <a:t>13-04-2021</a:t>
             </a:fld>
             <a:endParaRPr lang="da-DK"/>
           </a:p>
@@ -1083,7 +1084,7 @@
           <a:p>
             <a:fld id="{81F1D9E5-32FA-4B07-9954-19D0D1E25CEA}" type="datetimeFigureOut">
               <a:rPr lang="da-DK" smtClean="0"/>
-              <a:t>01-04-2021</a:t>
+              <a:t>13-04-2021</a:t>
             </a:fld>
             <a:endParaRPr lang="da-DK"/>
           </a:p>
@@ -1367,7 +1368,7 @@
           <a:p>
             <a:fld id="{81F1D9E5-32FA-4B07-9954-19D0D1E25CEA}" type="datetimeFigureOut">
               <a:rPr lang="da-DK" smtClean="0"/>
-              <a:t>01-04-2021</a:t>
+              <a:t>13-04-2021</a:t>
             </a:fld>
             <a:endParaRPr lang="da-DK"/>
           </a:p>
@@ -1831,7 +1832,7 @@
           <a:p>
             <a:r>
               <a:rPr lang="sv-SE" dirty="0"/>
-              <a:t>Spelet fia med knuff skall kunna spela upp till 4 spelare (vi börjar så) på samma dator. Skall ha en databas där man registrerar all drag för att kunna spela up spelt igen. </a:t>
+              <a:t>Spelet fia med knuff. </a:t>
             </a:r>
           </a:p>
           <a:p>
@@ -1843,6 +1844,132 @@
     <p:extLst>
       <p:ext uri="{BB962C8B-B14F-4D97-AF65-F5344CB8AC3E}">
         <p14:creationId xmlns:p14="http://schemas.microsoft.com/office/powerpoint/2010/main" val="722672415"/>
+      </p:ext>
+    </p:extLst>
+  </p:cSld>
+  <p:clrMapOvr>
+    <a:masterClrMapping/>
+  </p:clrMapOvr>
+</p:sld>
+</file>
+
+<file path=ppt/slides/slide10.xml><?xml version="1.0" encoding="utf-8"?>
+<p:sld xmlns:a="http://schemas.openxmlformats.org/drawingml/2006/main" xmlns:r="http://schemas.openxmlformats.org/officeDocument/2006/relationships" xmlns:p="http://schemas.openxmlformats.org/presentationml/2006/main">
+  <p:cSld>
+    <p:spTree>
+      <p:nvGrpSpPr>
+        <p:cNvPr id="1" name=""/>
+        <p:cNvGrpSpPr/>
+        <p:nvPr/>
+      </p:nvGrpSpPr>
+      <p:grpSpPr>
+        <a:xfrm>
+          <a:off x="0" y="0"/>
+          <a:ext cx="0" cy="0"/>
+          <a:chOff x="0" y="0"/>
+          <a:chExt cx="0" cy="0"/>
+        </a:xfrm>
+      </p:grpSpPr>
+      <p:sp>
+        <p:nvSpPr>
+          <p:cNvPr id="2" name="Rubrik 1">
+            <a:extLst>
+              <a:ext uri="{FF2B5EF4-FFF2-40B4-BE49-F238E27FC236}">
+                <a16:creationId xmlns:a16="http://schemas.microsoft.com/office/drawing/2014/main" id="{685AE8CF-8709-4959-AA0A-4E6AAC1FA043}"/>
+              </a:ext>
+            </a:extLst>
+          </p:cNvPr>
+          <p:cNvSpPr>
+            <a:spLocks noGrp="1"/>
+          </p:cNvSpPr>
+          <p:nvPr>
+            <p:ph type="title"/>
+          </p:nvPr>
+        </p:nvSpPr>
+        <p:spPr/>
+        <p:txBody>
+          <a:bodyPr/>
+          <a:lstStyle/>
+          <a:p>
+            <a:r>
+              <a:rPr lang="sv-SE" dirty="0"/>
+              <a:t>Databas</a:t>
+            </a:r>
+          </a:p>
+        </p:txBody>
+      </p:sp>
+      <p:sp>
+        <p:nvSpPr>
+          <p:cNvPr id="3" name="Platshållare för innehåll 2">
+            <a:extLst>
+              <a:ext uri="{FF2B5EF4-FFF2-40B4-BE49-F238E27FC236}">
+                <a16:creationId xmlns:a16="http://schemas.microsoft.com/office/drawing/2014/main" id="{D943599B-71CC-4F5D-98F8-0C035C3758A6}"/>
+              </a:ext>
+            </a:extLst>
+          </p:cNvPr>
+          <p:cNvSpPr>
+            <a:spLocks noGrp="1"/>
+          </p:cNvSpPr>
+          <p:nvPr>
+            <p:ph idx="1"/>
+          </p:nvPr>
+        </p:nvSpPr>
+        <p:spPr/>
+        <p:txBody>
+          <a:bodyPr/>
+          <a:lstStyle/>
+          <a:p>
+            <a:r>
+              <a:rPr lang="sv-SE" dirty="0"/>
+              <a:t>Registrera alla spelare</a:t>
+            </a:r>
+          </a:p>
+          <a:p>
+            <a:r>
+              <a:rPr lang="sv-SE" dirty="0"/>
+              <a:t>Registrera alla drag i spelet för att skapa en historik</a:t>
+            </a:r>
+          </a:p>
+          <a:p>
+            <a:r>
+              <a:rPr lang="sv-SE" dirty="0"/>
+              <a:t>Med hjälp av databasen skall man kunna spela upp spelet en gång till.</a:t>
+            </a:r>
+          </a:p>
+        </p:txBody>
+      </p:sp>
+      <p:sp>
+        <p:nvSpPr>
+          <p:cNvPr id="4" name="Platshållare för innehåll 3">
+            <a:extLst>
+              <a:ext uri="{FF2B5EF4-FFF2-40B4-BE49-F238E27FC236}">
+                <a16:creationId xmlns:a16="http://schemas.microsoft.com/office/drawing/2014/main" id="{31EF4880-9399-4836-95AB-01DBA923054A}"/>
+              </a:ext>
+            </a:extLst>
+          </p:cNvPr>
+          <p:cNvSpPr>
+            <a:spLocks noGrp="1"/>
+          </p:cNvSpPr>
+          <p:nvPr>
+            <p:ph idx="13"/>
+          </p:nvPr>
+        </p:nvSpPr>
+        <p:spPr/>
+        <p:txBody>
+          <a:bodyPr/>
+          <a:lstStyle/>
+          <a:p>
+            <a:r>
+              <a:rPr lang="sv-SE" dirty="0"/>
+              <a:t>Engine</a:t>
+            </a:r>
+          </a:p>
+        </p:txBody>
+      </p:sp>
+    </p:spTree>
+    <p:extLst>
+      <p:ext uri="{BB962C8B-B14F-4D97-AF65-F5344CB8AC3E}">
+        <p14:creationId xmlns:p14="http://schemas.microsoft.com/office/powerpoint/2010/main" val="1429448899"/>
       </p:ext>
     </p:extLst>
   </p:cSld>
@@ -1874,7 +2001,7 @@
           <p:cNvPr id="2" name="Rubrik 1">
             <a:extLst>
               <a:ext uri="{FF2B5EF4-FFF2-40B4-BE49-F238E27FC236}">
-                <a16:creationId xmlns:a16="http://schemas.microsoft.com/office/drawing/2014/main" id="{891D5B95-A761-449B-A9AD-8983B4665967}"/>
+                <a16:creationId xmlns:a16="http://schemas.microsoft.com/office/drawing/2014/main" id="{0D1DBCDA-E15B-4AFF-AB11-3C2920EF36EA}"/>
               </a:ext>
             </a:extLst>
           </p:cNvPr>
@@ -1892,7 +2019,7 @@
           <a:p>
             <a:r>
               <a:rPr lang="sv-SE" dirty="0" err="1"/>
-              <a:t>GameSettings</a:t>
+              <a:t>Gamestate</a:t>
             </a:r>
             <a:endParaRPr lang="sv-SE" dirty="0"/>
           </a:p>
@@ -1903,7 +2030,7 @@
           <p:cNvPr id="3" name="Platshållare för innehåll 2">
             <a:extLst>
               <a:ext uri="{FF2B5EF4-FFF2-40B4-BE49-F238E27FC236}">
-                <a16:creationId xmlns:a16="http://schemas.microsoft.com/office/drawing/2014/main" id="{EBA2F812-2319-4B34-89AB-920D1F809D2E}"/>
+                <a16:creationId xmlns:a16="http://schemas.microsoft.com/office/drawing/2014/main" id="{7517B6C9-2112-4513-8041-6C2FE0F972B2}"/>
               </a:ext>
             </a:extLst>
           </p:cNvPr>
@@ -1921,25 +2048,39 @@
           <a:p>
             <a:r>
               <a:rPr lang="sv-SE" dirty="0"/>
-              <a:t>Val av färger</a:t>
-            </a:r>
-          </a:p>
-          <a:p>
-            <a:r>
-              <a:rPr lang="sv-SE" dirty="0"/>
-              <a:t>Val av hur många spelare</a:t>
-            </a:r>
-          </a:p>
-          <a:p>
-            <a:r>
-              <a:rPr lang="sv-SE" dirty="0"/>
-              <a:t>Val av namn på spelare</a:t>
-            </a:r>
-          </a:p>
-          <a:p>
-            <a:r>
-              <a:rPr lang="sv-SE" dirty="0"/>
-              <a:t>Visa Regler</a:t>
+              <a:t>Se aktiva spelare</a:t>
+            </a:r>
+          </a:p>
+          <a:p>
+            <a:r>
+              <a:rPr lang="sv-SE" dirty="0"/>
+              <a:t>Se alla spelare</a:t>
+            </a:r>
+          </a:p>
+          <a:p>
+            <a:r>
+              <a:rPr lang="sv-SE" dirty="0"/>
+              <a:t>Ordning i </a:t>
+            </a:r>
+            <a:r>
+              <a:rPr lang="sv-SE" dirty="0" err="1"/>
+              <a:t>turn</a:t>
+            </a:r>
+            <a:r>
+              <a:rPr lang="sv-SE" dirty="0"/>
+              <a:t> listan</a:t>
+            </a:r>
+          </a:p>
+          <a:p>
+            <a:r>
+              <a:rPr lang="sv-SE" dirty="0"/>
+              <a:t>Om spelare fortfarande spelar</a:t>
+            </a:r>
+          </a:p>
+          <a:p>
+            <a:r>
+              <a:rPr lang="sv-SE" dirty="0"/>
+              <a:t>Om det finns någon vinnare</a:t>
             </a:r>
           </a:p>
         </p:txBody>
@@ -1949,7 +2090,7 @@
           <p:cNvPr id="4" name="Platshållare för innehåll 3">
             <a:extLst>
               <a:ext uri="{FF2B5EF4-FFF2-40B4-BE49-F238E27FC236}">
-                <a16:creationId xmlns:a16="http://schemas.microsoft.com/office/drawing/2014/main" id="{F7CD926A-517D-4E8B-8721-47F518131926}"/>
+                <a16:creationId xmlns:a16="http://schemas.microsoft.com/office/drawing/2014/main" id="{1F87AD7B-8400-4645-B8FF-939393576F6D}"/>
               </a:ext>
             </a:extLst>
           </p:cNvPr>
@@ -1967,19 +2108,36 @@
           <a:p>
             <a:r>
               <a:rPr lang="sv-SE" dirty="0" err="1"/>
+              <a:t>Gamestate</a:t>
+            </a:r>
+            <a:endParaRPr lang="sv-SE" dirty="0"/>
+          </a:p>
+          <a:p>
+            <a:r>
+              <a:rPr lang="sv-SE" dirty="0" err="1"/>
               <a:t>Player</a:t>
             </a:r>
             <a:endParaRPr lang="sv-SE" dirty="0"/>
           </a:p>
           <a:p>
+            <a:r>
+              <a:rPr lang="sv-SE" dirty="0" err="1"/>
+              <a:t>Turn</a:t>
+            </a:r>
             <a:endParaRPr lang="sv-SE" dirty="0"/>
+          </a:p>
+          <a:p>
+            <a:r>
+              <a:rPr lang="sv-SE" dirty="0"/>
+              <a:t>Board</a:t>
+            </a:r>
           </a:p>
         </p:txBody>
       </p:sp>
     </p:spTree>
     <p:extLst>
       <p:ext uri="{BB962C8B-B14F-4D97-AF65-F5344CB8AC3E}">
-        <p14:creationId xmlns:p14="http://schemas.microsoft.com/office/powerpoint/2010/main" val="1451672258"/>
+        <p14:creationId xmlns:p14="http://schemas.microsoft.com/office/powerpoint/2010/main" val="442282550"/>
       </p:ext>
     </p:extLst>
   </p:cSld>
@@ -2029,7 +2187,7 @@
           <a:p>
             <a:r>
               <a:rPr lang="sv-SE" dirty="0" err="1"/>
-              <a:t>Player</a:t>
+              <a:t>GameSettings</a:t>
             </a:r>
             <a:endParaRPr lang="sv-SE" dirty="0"/>
           </a:p>
@@ -2058,26 +2216,19 @@
           <a:p>
             <a:r>
               <a:rPr lang="sv-SE" dirty="0"/>
-              <a:t>Val av färger</a:t>
-            </a:r>
-          </a:p>
-          <a:p>
-            <a:r>
-              <a:rPr lang="sv-SE" dirty="0"/>
-              <a:t>Val av namn</a:t>
-            </a:r>
-          </a:p>
-          <a:p>
-            <a:r>
-              <a:rPr lang="sv-SE" dirty="0"/>
-              <a:t>Om de har några figurer kvar på spelbanan eller inte</a:t>
-            </a:r>
-          </a:p>
-          <a:p>
-            <a:r>
-              <a:rPr lang="sv-SE" dirty="0"/>
-              <a:t>Se om det är ens tur att spela</a:t>
-            </a:r>
+              <a:t>Val av hur många spelare</a:t>
+            </a:r>
+          </a:p>
+          <a:p>
+            <a:r>
+              <a:rPr lang="sv-SE" dirty="0"/>
+              <a:t>Val av storleken på </a:t>
+            </a:r>
+            <a:r>
+              <a:rPr lang="sv-SE" dirty="0" err="1"/>
+              <a:t>badan</a:t>
+            </a:r>
+            <a:endParaRPr lang="sv-SE" dirty="0"/>
           </a:p>
         </p:txBody>
       </p:sp>
@@ -2104,8 +2255,11 @@
           <a:p>
             <a:r>
               <a:rPr lang="sv-SE" dirty="0" err="1"/>
-              <a:t>Piece</a:t>
-            </a:r>
+              <a:t>PlayerSetting</a:t>
+            </a:r>
+            <a:endParaRPr lang="sv-SE" dirty="0"/>
+          </a:p>
+          <a:p>
             <a:endParaRPr lang="sv-SE" dirty="0"/>
           </a:p>
         </p:txBody>
@@ -2113,7 +2267,7 @@
     </p:spTree>
     <p:extLst>
       <p:ext uri="{BB962C8B-B14F-4D97-AF65-F5344CB8AC3E}">
-        <p14:creationId xmlns:p14="http://schemas.microsoft.com/office/powerpoint/2010/main" val="4237848208"/>
+        <p14:creationId xmlns:p14="http://schemas.microsoft.com/office/powerpoint/2010/main" val="1451672258"/>
       </p:ext>
     </p:extLst>
   </p:cSld>
@@ -2163,7 +2317,7 @@
           <a:p>
             <a:r>
               <a:rPr lang="sv-SE" dirty="0" err="1"/>
-              <a:t>Piece</a:t>
+              <a:t>PlayerSetting</a:t>
             </a:r>
             <a:endParaRPr lang="sv-SE" dirty="0"/>
           </a:p>
@@ -2192,29 +2346,20 @@
           <a:p>
             <a:r>
               <a:rPr lang="sv-SE" dirty="0"/>
-              <a:t>Färger</a:t>
-            </a:r>
-          </a:p>
-          <a:p>
-            <a:r>
-              <a:rPr lang="sv-SE" dirty="0"/>
-              <a:t>Lista av figurer</a:t>
-            </a:r>
-          </a:p>
-          <a:p>
-            <a:r>
-              <a:rPr lang="sv-SE" dirty="0"/>
-              <a:t>Varje figur skall ha en ID</a:t>
-            </a:r>
-          </a:p>
-          <a:p>
-            <a:r>
-              <a:rPr lang="sv-SE" dirty="0"/>
-              <a:t>Kolla om de är fortfarande kvar på banan</a:t>
-            </a:r>
-          </a:p>
-          <a:p>
-            <a:endParaRPr lang="sv-SE" dirty="0"/>
+              <a:t>Val av namn</a:t>
+            </a:r>
+          </a:p>
+          <a:p>
+            <a:r>
+              <a:rPr lang="sv-SE" dirty="0"/>
+              <a:t>Poäng</a:t>
+            </a:r>
+          </a:p>
+          <a:p>
+            <a:r>
+              <a:rPr lang="sv-SE" dirty="0"/>
+              <a:t>Om man är klar</a:t>
+            </a:r>
           </a:p>
         </p:txBody>
       </p:sp>
@@ -2247,9 +2392,13 @@
           </a:p>
           <a:p>
             <a:r>
-              <a:rPr lang="sv-SE" dirty="0"/>
-              <a:t>Board</a:t>
-            </a:r>
+              <a:rPr lang="sv-SE" dirty="0" err="1"/>
+              <a:t>GameSetting</a:t>
+            </a:r>
+            <a:endParaRPr lang="sv-SE" dirty="0"/>
+          </a:p>
+          <a:p>
+            <a:endParaRPr lang="sv-SE" dirty="0"/>
           </a:p>
           <a:p>
             <a:endParaRPr lang="sv-SE" dirty="0"/>
@@ -2259,7 +2408,7 @@
     </p:spTree>
     <p:extLst>
       <p:ext uri="{BB962C8B-B14F-4D97-AF65-F5344CB8AC3E}">
-        <p14:creationId xmlns:p14="http://schemas.microsoft.com/office/powerpoint/2010/main" val="1397969420"/>
+        <p14:creationId xmlns:p14="http://schemas.microsoft.com/office/powerpoint/2010/main" val="190153163"/>
       </p:ext>
     </p:extLst>
   </p:cSld>
@@ -2308,9 +2457,10 @@
           <a:lstStyle/>
           <a:p>
             <a:r>
-              <a:rPr lang="sv-SE" dirty="0"/>
-              <a:t>Dice</a:t>
-            </a:r>
+              <a:rPr lang="sv-SE" dirty="0" err="1"/>
+              <a:t>Player</a:t>
+            </a:r>
+            <a:endParaRPr lang="sv-SE" dirty="0"/>
           </a:p>
         </p:txBody>
       </p:sp>
@@ -2337,7 +2487,19 @@
           <a:p>
             <a:r>
               <a:rPr lang="sv-SE" dirty="0"/>
-              <a:t>Slå en tärning mellan 1 och 6.</a:t>
+              <a:t>Val av namn</a:t>
+            </a:r>
+          </a:p>
+          <a:p>
+            <a:r>
+              <a:rPr lang="sv-SE" dirty="0"/>
+              <a:t>Poäng</a:t>
+            </a:r>
+          </a:p>
+          <a:p>
+            <a:r>
+              <a:rPr lang="sv-SE" dirty="0"/>
+              <a:t>Om man är klar</a:t>
             </a:r>
           </a:p>
         </p:txBody>
@@ -2362,6 +2524,22 @@
         <p:txBody>
           <a:bodyPr/>
           <a:lstStyle/>
+          <a:p>
+            <a:r>
+              <a:rPr lang="sv-SE" dirty="0" err="1"/>
+              <a:t>PlayerSetting</a:t>
+            </a:r>
+            <a:endParaRPr lang="sv-SE" dirty="0"/>
+          </a:p>
+          <a:p>
+            <a:r>
+              <a:rPr lang="sv-SE" dirty="0"/>
+              <a:t>Engine</a:t>
+            </a:r>
+          </a:p>
+          <a:p>
+            <a:endParaRPr lang="sv-SE" dirty="0"/>
+          </a:p>
           <a:p>
             <a:endParaRPr lang="sv-SE" dirty="0"/>
           </a:p>
@@ -2370,7 +2548,7 @@
     </p:spTree>
     <p:extLst>
       <p:ext uri="{BB962C8B-B14F-4D97-AF65-F5344CB8AC3E}">
-        <p14:creationId xmlns:p14="http://schemas.microsoft.com/office/powerpoint/2010/main" val="2415874239"/>
+        <p14:creationId xmlns:p14="http://schemas.microsoft.com/office/powerpoint/2010/main" val="4237848208"/>
       </p:ext>
     </p:extLst>
   </p:cSld>
@@ -2419,9 +2597,10 @@
           <a:lstStyle/>
           <a:p>
             <a:r>
-              <a:rPr lang="sv-SE" dirty="0"/>
-              <a:t>Engine</a:t>
-            </a:r>
+              <a:rPr lang="sv-SE" dirty="0" err="1"/>
+              <a:t>Piece</a:t>
+            </a:r>
+            <a:endParaRPr lang="sv-SE" dirty="0"/>
           </a:p>
         </p:txBody>
       </p:sp>
@@ -2448,32 +2627,26 @@
           <a:p>
             <a:r>
               <a:rPr lang="sv-SE" dirty="0"/>
-              <a:t>Själva spelmotorn som styr allting i spelet.</a:t>
-            </a:r>
-          </a:p>
-          <a:p>
-            <a:r>
-              <a:rPr lang="sv-SE" dirty="0"/>
-              <a:t>Ser till att figurerna går framåt, blir knuffad.</a:t>
-            </a:r>
-          </a:p>
-          <a:p>
-            <a:r>
-              <a:rPr lang="sv-SE" dirty="0"/>
-              <a:t>Ser till att man få gå ut vid träningen visar 6</a:t>
-            </a:r>
-          </a:p>
-          <a:p>
-            <a:r>
-              <a:rPr lang="sv-SE" dirty="0"/>
-              <a:t>Ser till vems tur det är</a:t>
-            </a:r>
-          </a:p>
-          <a:p>
-            <a:endParaRPr lang="sv-SE" dirty="0"/>
-          </a:p>
-          <a:p>
-            <a:endParaRPr lang="sv-SE" dirty="0"/>
+              <a:t>Färger</a:t>
+            </a:r>
+          </a:p>
+          <a:p>
+            <a:r>
+              <a:rPr lang="sv-SE" dirty="0"/>
+              <a:t>Lista av figurer</a:t>
+            </a:r>
+          </a:p>
+          <a:p>
+            <a:r>
+              <a:rPr lang="sv-SE" dirty="0"/>
+              <a:t>Varje figur skall ha en ID</a:t>
+            </a:r>
+          </a:p>
+          <a:p>
+            <a:r>
+              <a:rPr lang="sv-SE" dirty="0"/>
+              <a:t>Kolla om de är fortfarande kvar på banan</a:t>
+            </a:r>
           </a:p>
           <a:p>
             <a:endParaRPr lang="sv-SE" dirty="0"/>
@@ -2502,12 +2675,6 @@
           <a:lstStyle/>
           <a:p>
             <a:r>
-              <a:rPr lang="sv-SE" dirty="0"/>
-              <a:t>Dice</a:t>
-            </a:r>
-          </a:p>
-          <a:p>
-            <a:r>
               <a:rPr lang="sv-SE" dirty="0" err="1"/>
               <a:t>Player</a:t>
             </a:r>
@@ -2515,23 +2682,26 @@
           </a:p>
           <a:p>
             <a:r>
+              <a:rPr lang="sv-SE" dirty="0"/>
+              <a:t>Engines</a:t>
+            </a:r>
+          </a:p>
+          <a:p>
+            <a:r>
               <a:rPr lang="sv-SE" dirty="0" err="1"/>
-              <a:t>Piece</a:t>
+              <a:t>Movement</a:t>
             </a:r>
             <a:endParaRPr lang="sv-SE" dirty="0"/>
           </a:p>
           <a:p>
-            <a:r>
-              <a:rPr lang="sv-SE" dirty="0"/>
-              <a:t>Board</a:t>
-            </a:r>
+            <a:endParaRPr lang="sv-SE" dirty="0"/>
           </a:p>
         </p:txBody>
       </p:sp>
     </p:spTree>
     <p:extLst>
       <p:ext uri="{BB962C8B-B14F-4D97-AF65-F5344CB8AC3E}">
-        <p14:creationId xmlns:p14="http://schemas.microsoft.com/office/powerpoint/2010/main" val="3116981141"/>
+        <p14:creationId xmlns:p14="http://schemas.microsoft.com/office/powerpoint/2010/main" val="1397969420"/>
       </p:ext>
     </p:extLst>
   </p:cSld>
@@ -2581,7 +2751,7 @@
           <a:p>
             <a:r>
               <a:rPr lang="sv-SE" dirty="0"/>
-              <a:t>Board</a:t>
+              <a:t>Engine</a:t>
             </a:r>
           </a:p>
         </p:txBody>
@@ -2609,25 +2779,25 @@
           <a:p>
             <a:r>
               <a:rPr lang="sv-SE" dirty="0"/>
-              <a:t>Uppbyggnad av självaspelbanan</a:t>
-            </a:r>
-          </a:p>
-          <a:p>
-            <a:r>
-              <a:rPr lang="sv-SE" dirty="0"/>
-              <a:t>Skall finnas ett bo</a:t>
-            </a:r>
-          </a:p>
-          <a:p>
-            <a:r>
-              <a:rPr lang="sv-SE" dirty="0"/>
-              <a:t>Skall finnas en start</a:t>
-            </a:r>
-          </a:p>
-          <a:p>
-            <a:r>
-              <a:rPr lang="sv-SE" dirty="0"/>
-              <a:t>Skall finnas slutsträckan </a:t>
+              <a:t>Själva spelmotorn som styr allting i spelet.</a:t>
+            </a:r>
+          </a:p>
+          <a:p>
+            <a:r>
+              <a:rPr lang="sv-SE" dirty="0"/>
+              <a:t>Ser till att figurerna går framåt, blir knuffad.</a:t>
+            </a:r>
+          </a:p>
+          <a:p>
+            <a:r>
+              <a:rPr lang="sv-SE" dirty="0"/>
+              <a:t>Ser till att man få gå ut vid träningen visar 6</a:t>
+            </a:r>
+          </a:p>
+          <a:p>
+            <a:r>
+              <a:rPr lang="sv-SE" dirty="0"/>
+              <a:t>Ser till vems tur det är</a:t>
             </a:r>
           </a:p>
           <a:p>
@@ -2663,9 +2833,24 @@
           <a:lstStyle/>
           <a:p>
             <a:r>
-              <a:rPr lang="sv-SE" dirty="0"/>
-              <a:t>Square</a:t>
-            </a:r>
+              <a:rPr lang="sv-SE" dirty="0" err="1"/>
+              <a:t>GameState</a:t>
+            </a:r>
+            <a:endParaRPr lang="sv-SE" dirty="0"/>
+          </a:p>
+          <a:p>
+            <a:r>
+              <a:rPr lang="sv-SE" dirty="0" err="1"/>
+              <a:t>GameSetting</a:t>
+            </a:r>
+            <a:endParaRPr lang="sv-SE" dirty="0"/>
+          </a:p>
+          <a:p>
+            <a:r>
+              <a:rPr lang="sv-SE" dirty="0" err="1"/>
+              <a:t>Player</a:t>
+            </a:r>
+            <a:endParaRPr lang="sv-SE" dirty="0"/>
           </a:p>
           <a:p>
             <a:r>
@@ -2675,14 +2860,17 @@
             <a:endParaRPr lang="sv-SE" dirty="0"/>
           </a:p>
           <a:p>
-            <a:endParaRPr lang="sv-SE" dirty="0"/>
+            <a:r>
+              <a:rPr lang="sv-SE" dirty="0"/>
+              <a:t>Board</a:t>
+            </a:r>
           </a:p>
         </p:txBody>
       </p:sp>
     </p:spTree>
     <p:extLst>
       <p:ext uri="{BB962C8B-B14F-4D97-AF65-F5344CB8AC3E}">
-        <p14:creationId xmlns:p14="http://schemas.microsoft.com/office/powerpoint/2010/main" val="1669120330"/>
+        <p14:creationId xmlns:p14="http://schemas.microsoft.com/office/powerpoint/2010/main" val="3116981141"/>
       </p:ext>
     </p:extLst>
   </p:cSld>
@@ -2732,7 +2920,7 @@
           <a:p>
             <a:r>
               <a:rPr lang="sv-SE" dirty="0"/>
-              <a:t>Square</a:t>
+              <a:t>Board</a:t>
             </a:r>
           </a:p>
         </p:txBody>
@@ -2760,7 +2948,25 @@
           <a:p>
             <a:r>
               <a:rPr lang="sv-SE" dirty="0"/>
-              <a:t>Om en rutan är säker eller inte</a:t>
+              <a:t>Uppbyggnad av självaspelbanan</a:t>
+            </a:r>
+          </a:p>
+          <a:p>
+            <a:r>
+              <a:rPr lang="sv-SE" dirty="0"/>
+              <a:t>Skall finnas ett bo</a:t>
+            </a:r>
+          </a:p>
+          <a:p>
+            <a:r>
+              <a:rPr lang="sv-SE" dirty="0"/>
+              <a:t>Start</a:t>
+            </a:r>
+          </a:p>
+          <a:p>
+            <a:r>
+              <a:rPr lang="sv-SE" dirty="0"/>
+              <a:t>Skall finnas slutsträckan </a:t>
             </a:r>
           </a:p>
           <a:p>
@@ -2797,15 +3003,32 @@
           <a:p>
             <a:r>
               <a:rPr lang="sv-SE" dirty="0"/>
-              <a:t>Board</a:t>
-            </a:r>
+              <a:t>Square</a:t>
+            </a:r>
+          </a:p>
+          <a:p>
+            <a:r>
+              <a:rPr lang="sv-SE" dirty="0" err="1"/>
+              <a:t>Piece</a:t>
+            </a:r>
+            <a:endParaRPr lang="sv-SE" dirty="0"/>
+          </a:p>
+          <a:p>
+            <a:r>
+              <a:rPr lang="sv-SE"/>
+              <a:t>Engine</a:t>
+            </a:r>
+            <a:endParaRPr lang="sv-SE" dirty="0"/>
+          </a:p>
+          <a:p>
+            <a:endParaRPr lang="sv-SE" dirty="0"/>
           </a:p>
         </p:txBody>
       </p:sp>
     </p:spTree>
     <p:extLst>
       <p:ext uri="{BB962C8B-B14F-4D97-AF65-F5344CB8AC3E}">
-        <p14:creationId xmlns:p14="http://schemas.microsoft.com/office/powerpoint/2010/main" val="358423305"/>
+        <p14:creationId xmlns:p14="http://schemas.microsoft.com/office/powerpoint/2010/main" val="1669120330"/>
       </p:ext>
     </p:extLst>
   </p:cSld>
@@ -2837,7 +3060,7 @@
           <p:cNvPr id="2" name="Rubrik 1">
             <a:extLst>
               <a:ext uri="{FF2B5EF4-FFF2-40B4-BE49-F238E27FC236}">
-                <a16:creationId xmlns:a16="http://schemas.microsoft.com/office/drawing/2014/main" id="{685AE8CF-8709-4959-AA0A-4E6AAC1FA043}"/>
+                <a16:creationId xmlns:a16="http://schemas.microsoft.com/office/drawing/2014/main" id="{891D5B95-A761-449B-A9AD-8983B4665967}"/>
               </a:ext>
             </a:extLst>
           </p:cNvPr>
@@ -2855,7 +3078,7 @@
           <a:p>
             <a:r>
               <a:rPr lang="sv-SE" dirty="0"/>
-              <a:t>Databas</a:t>
+              <a:t>Square</a:t>
             </a:r>
           </a:p>
         </p:txBody>
@@ -2865,7 +3088,7 @@
           <p:cNvPr id="3" name="Platshållare för innehåll 2">
             <a:extLst>
               <a:ext uri="{FF2B5EF4-FFF2-40B4-BE49-F238E27FC236}">
-                <a16:creationId xmlns:a16="http://schemas.microsoft.com/office/drawing/2014/main" id="{D943599B-71CC-4F5D-98F8-0C035C3758A6}"/>
+                <a16:creationId xmlns:a16="http://schemas.microsoft.com/office/drawing/2014/main" id="{EBA2F812-2319-4B34-89AB-920D1F809D2E}"/>
               </a:ext>
             </a:extLst>
           </p:cNvPr>
@@ -2883,20 +3106,20 @@
           <a:p>
             <a:r>
               <a:rPr lang="sv-SE" dirty="0"/>
-              <a:t>Registrera alla spelare</a:t>
-            </a:r>
-          </a:p>
-          <a:p>
-            <a:r>
-              <a:rPr lang="sv-SE" dirty="0"/>
-              <a:t>Registrera alla drag i spelet för att skapa en historik</a:t>
-            </a:r>
-          </a:p>
-          <a:p>
-            <a:r>
-              <a:rPr lang="sv-SE" dirty="0"/>
-              <a:t>Med hjälp av databasen skall man kunna spela upp spelet en gång till.</a:t>
-            </a:r>
+              <a:t>Om en rutan är säker eller inte</a:t>
+            </a:r>
+          </a:p>
+          <a:p>
+            <a:endParaRPr lang="sv-SE" dirty="0"/>
+          </a:p>
+          <a:p>
+            <a:endParaRPr lang="sv-SE" dirty="0"/>
+          </a:p>
+          <a:p>
+            <a:endParaRPr lang="sv-SE" dirty="0"/>
+          </a:p>
+          <a:p>
+            <a:endParaRPr lang="sv-SE" dirty="0"/>
           </a:p>
         </p:txBody>
       </p:sp>
@@ -2905,7 +3128,7 @@
           <p:cNvPr id="4" name="Platshållare för innehåll 3">
             <a:extLst>
               <a:ext uri="{FF2B5EF4-FFF2-40B4-BE49-F238E27FC236}">
-                <a16:creationId xmlns:a16="http://schemas.microsoft.com/office/drawing/2014/main" id="{31EF4880-9399-4836-95AB-01DBA923054A}"/>
+                <a16:creationId xmlns:a16="http://schemas.microsoft.com/office/drawing/2014/main" id="{F7CD926A-517D-4E8B-8721-47F518131926}"/>
               </a:ext>
             </a:extLst>
           </p:cNvPr>
@@ -2923,7 +3146,7 @@
           <a:p>
             <a:r>
               <a:rPr lang="sv-SE" dirty="0"/>
-              <a:t>Engine</a:t>
+              <a:t>Board</a:t>
             </a:r>
           </a:p>
         </p:txBody>
@@ -2931,7 +3154,7 @@
     </p:spTree>
     <p:extLst>
       <p:ext uri="{BB962C8B-B14F-4D97-AF65-F5344CB8AC3E}">
-        <p14:creationId xmlns:p14="http://schemas.microsoft.com/office/powerpoint/2010/main" val="1429448899"/>
+        <p14:creationId xmlns:p14="http://schemas.microsoft.com/office/powerpoint/2010/main" val="358423305"/>
       </p:ext>
     </p:extLst>
   </p:cSld>
@@ -3532,6 +3755,21 @@
 </file>
 
 <file path=customXml/item1.xml><?xml version="1.0" encoding="utf-8"?>
+<p:properties xmlns:p="http://schemas.microsoft.com/office/2006/metadata/properties" xmlns:xsi="http://www.w3.org/2001/XMLSchema-instance" xmlns:pc="http://schemas.microsoft.com/office/infopath/2007/PartnerControls">
+  <documentManagement/>
+</p:properties>
+</file>
+
+<file path=customXml/item2.xml><?xml version="1.0" encoding="utf-8"?>
+<?mso-contentType ?>
+<FormTemplates xmlns="http://schemas.microsoft.com/sharepoint/v3/contenttype/forms">
+  <Display>DocumentLibraryForm</Display>
+  <Edit>DocumentLibraryForm</Edit>
+  <New>DocumentLibraryForm</New>
+</FormTemplates>
+</file>
+
+<file path=customXml/item3.xml><?xml version="1.0" encoding="utf-8"?>
 <ct:contentTypeSchema xmlns:ct="http://schemas.microsoft.com/office/2006/metadata/contentType" xmlns:ma="http://schemas.microsoft.com/office/2006/metadata/properties/metaAttributes" ct:_="" ma:_="" ma:contentTypeName="Dokument" ma:contentTypeID="0x0101007A4ADA3549C0DF4EA775F0AE6B64AD8B" ma:contentTypeVersion="8" ma:contentTypeDescription="Opret et nyt dokument." ma:contentTypeScope="" ma:versionID="7ff026bd7c1cb5a98c4a3982006d3d33">
   <xsd:schema xmlns:xsd="http://www.w3.org/2001/XMLSchema" xmlns:xs="http://www.w3.org/2001/XMLSchema" xmlns:p="http://schemas.microsoft.com/office/2006/metadata/properties" xmlns:ns2="00e9a85d-85cf-4bc4-94dd-925a5ff46011" targetNamespace="http://schemas.microsoft.com/office/2006/metadata/properties" ma:root="true" ma:fieldsID="ff8affe3a74b9eb804c4bccb10cdcb48" ns2:_="">
     <xsd:import namespace="00e9a85d-85cf-4bc4-94dd-925a5ff46011"/>
@@ -3701,22 +3939,24 @@
 </ct:contentTypeSchema>
 </file>
 
-<file path=customXml/item2.xml><?xml version="1.0" encoding="utf-8"?>
-<p:properties xmlns:p="http://schemas.microsoft.com/office/2006/metadata/properties" xmlns:xsi="http://www.w3.org/2001/XMLSchema-instance" xmlns:pc="http://schemas.microsoft.com/office/infopath/2007/PartnerControls">
-  <documentManagement/>
-</p:properties>
+<file path=customXml/itemProps1.xml><?xml version="1.0" encoding="utf-8"?>
+<ds:datastoreItem xmlns:ds="http://schemas.openxmlformats.org/officeDocument/2006/customXml" ds:itemID="{84316F70-B73C-43A0-A8ED-A34D667A7996}">
+  <ds:schemaRefs>
+    <ds:schemaRef ds:uri="http://schemas.microsoft.com/office/2006/metadata/properties"/>
+    <ds:schemaRef ds:uri="http://schemas.microsoft.com/office/infopath/2007/PartnerControls"/>
+  </ds:schemaRefs>
+</ds:datastoreItem>
 </file>
 
-<file path=customXml/item3.xml><?xml version="1.0" encoding="utf-8"?>
-<?mso-contentType ?>
-<FormTemplates xmlns="http://schemas.microsoft.com/sharepoint/v3/contenttype/forms">
-  <Display>DocumentLibraryForm</Display>
-  <Edit>DocumentLibraryForm</Edit>
-  <New>DocumentLibraryForm</New>
-</FormTemplates>
+<file path=customXml/itemProps2.xml><?xml version="1.0" encoding="utf-8"?>
+<ds:datastoreItem xmlns:ds="http://schemas.openxmlformats.org/officeDocument/2006/customXml" ds:itemID="{A4406F33-6639-46A4-8FF7-F8EDAA15272E}">
+  <ds:schemaRefs>
+    <ds:schemaRef ds:uri="http://schemas.microsoft.com/sharepoint/v3/contenttype/forms"/>
+  </ds:schemaRefs>
+</ds:datastoreItem>
 </file>
 
-<file path=customXml/itemProps1.xml><?xml version="1.0" encoding="utf-8"?>
+<file path=customXml/itemProps3.xml><?xml version="1.0" encoding="utf-8"?>
 <ds:datastoreItem xmlns:ds="http://schemas.openxmlformats.org/officeDocument/2006/customXml" ds:itemID="{99D6E101-B9B0-4654-A21B-B4AC2120F75E}">
   <ds:schemaRefs>
     <ds:schemaRef ds:uri="http://schemas.microsoft.com/office/2006/metadata/contentType"/>
@@ -3732,21 +3972,4 @@
     <ds:schemaRef ds:uri="http://schemas.microsoft.com/internal/obd"/>
   </ds:schemaRefs>
 </ds:datastoreItem>
-</file>
-
-<file path=customXml/itemProps2.xml><?xml version="1.0" encoding="utf-8"?>
-<ds:datastoreItem xmlns:ds="http://schemas.openxmlformats.org/officeDocument/2006/customXml" ds:itemID="{84316F70-B73C-43A0-A8ED-A34D667A7996}">
-  <ds:schemaRefs>
-    <ds:schemaRef ds:uri="http://schemas.microsoft.com/office/2006/metadata/properties"/>
-    <ds:schemaRef ds:uri="http://schemas.microsoft.com/office/infopath/2007/PartnerControls"/>
-  </ds:schemaRefs>
-</ds:datastoreItem>
-</file>
-
-<file path=customXml/itemProps3.xml><?xml version="1.0" encoding="utf-8"?>
-<ds:datastoreItem xmlns:ds="http://schemas.openxmlformats.org/officeDocument/2006/customXml" ds:itemID="{A4406F33-6639-46A4-8FF7-F8EDAA15272E}">
-  <ds:schemaRefs>
-    <ds:schemaRef ds:uri="http://schemas.microsoft.com/sharepoint/v3/contenttype/forms"/>
-  </ds:schemaRefs>
-</ds:datastoreItem>
 </file>
--- a/Documentation/crc Ludo5.pptx
+++ b/Documentation/crc Ludo5.pptx
@@ -2108,13 +2108,6 @@
           <a:p>
             <a:r>
               <a:rPr lang="sv-SE" dirty="0" err="1"/>
-              <a:t>Gamestate</a:t>
-            </a:r>
-            <a:endParaRPr lang="sv-SE" dirty="0"/>
-          </a:p>
-          <a:p>
-            <a:r>
-              <a:rPr lang="sv-SE" dirty="0" err="1"/>
               <a:t>Player</a:t>
             </a:r>
             <a:endParaRPr lang="sv-SE" dirty="0"/>
@@ -2487,7 +2480,7 @@
           <a:p>
             <a:r>
               <a:rPr lang="sv-SE" dirty="0"/>
-              <a:t>Val av namn</a:t>
+              <a:t>namn</a:t>
             </a:r>
           </a:p>
           <a:p>
@@ -3015,10 +3008,9 @@
           </a:p>
           <a:p>
             <a:r>
-              <a:rPr lang="sv-SE"/>
+              <a:rPr lang="sv-SE" dirty="0"/>
               <a:t>Engine</a:t>
             </a:r>
-            <a:endParaRPr lang="sv-SE" dirty="0"/>
           </a:p>
           <a:p>
             <a:endParaRPr lang="sv-SE" dirty="0"/>
